--- a/rockpaperscissors.pptx
+++ b/rockpaperscissors.pptx
@@ -871,7 +871,7 @@
             <a:fld id="{B61BEF0D-F0BB-DE4B-95CE-6DB70DBA9567}" type="datetimeFigureOut">
               <a:rPr lang="en-US" dirty="0"/>
               <a:pPr/>
-              <a:t>3/30/2024</a:t>
+              <a:t>5/10/2024</a:t>
             </a:fld>
             <a:endParaRPr lang="en-US" dirty="0"/>
           </a:p>
@@ -1119,7 +1119,7 @@
             <a:fld id="{B61BEF0D-F0BB-DE4B-95CE-6DB70DBA9567}" type="datetimeFigureOut">
               <a:rPr lang="en-US" dirty="0"/>
               <a:pPr/>
-              <a:t>3/30/2024</a:t>
+              <a:t>5/10/2024</a:t>
             </a:fld>
             <a:endParaRPr lang="en-US" dirty="0"/>
           </a:p>
@@ -1430,7 +1430,7 @@
             <a:fld id="{B61BEF0D-F0BB-DE4B-95CE-6DB70DBA9567}" type="datetimeFigureOut">
               <a:rPr lang="en-US" dirty="0"/>
               <a:pPr/>
-              <a:t>3/30/2024</a:t>
+              <a:t>5/10/2024</a:t>
             </a:fld>
             <a:endParaRPr lang="en-US" dirty="0"/>
           </a:p>
@@ -1760,7 +1760,7 @@
             <a:fld id="{B61BEF0D-F0BB-DE4B-95CE-6DB70DBA9567}" type="datetimeFigureOut">
               <a:rPr lang="en-US" dirty="0"/>
               <a:pPr/>
-              <a:t>3/30/2024</a:t>
+              <a:t>5/10/2024</a:t>
             </a:fld>
             <a:endParaRPr lang="en-US" dirty="0"/>
           </a:p>
@@ -2071,7 +2071,7 @@
             <a:fld id="{B61BEF0D-F0BB-DE4B-95CE-6DB70DBA9567}" type="datetimeFigureOut">
               <a:rPr lang="en-US" dirty="0"/>
               <a:pPr/>
-              <a:t>3/30/2024</a:t>
+              <a:t>5/10/2024</a:t>
             </a:fld>
             <a:endParaRPr lang="en-US" dirty="0"/>
           </a:p>
@@ -2461,7 +2461,7 @@
             <a:fld id="{B61BEF0D-F0BB-DE4B-95CE-6DB70DBA9567}" type="datetimeFigureOut">
               <a:rPr lang="en-US" dirty="0"/>
               <a:pPr/>
-              <a:t>3/30/2024</a:t>
+              <a:t>5/10/2024</a:t>
             </a:fld>
             <a:endParaRPr lang="en-US" dirty="0"/>
           </a:p>
@@ -2627,7 +2627,7 @@
           <a:p>
             <a:fld id="{55C6B4A9-1611-4792-9094-5F34BCA07E0B}" type="datetimeFigureOut">
               <a:rPr lang="en-US" dirty="0"/>
-              <a:t>3/30/2024</a:t>
+              <a:t>5/10/2024</a:t>
             </a:fld>
             <a:endParaRPr lang="en-US" dirty="0"/>
           </a:p>
@@ -2803,7 +2803,7 @@
             <a:fld id="{B61BEF0D-F0BB-DE4B-95CE-6DB70DBA9567}" type="datetimeFigureOut">
               <a:rPr lang="en-US" dirty="0"/>
               <a:pPr/>
-              <a:t>3/30/2024</a:t>
+              <a:t>5/10/2024</a:t>
             </a:fld>
             <a:endParaRPr lang="en-US" dirty="0"/>
           </a:p>
@@ -2969,7 +2969,7 @@
           <a:p>
             <a:fld id="{42A54C80-263E-416B-A8E0-580EDEADCBDC}" type="datetimeFigureOut">
               <a:rPr lang="en-US" dirty="0"/>
-              <a:t>3/30/2024</a:t>
+              <a:t>5/10/2024</a:t>
             </a:fld>
             <a:endParaRPr lang="en-US" dirty="0"/>
           </a:p>
@@ -3212,7 +3212,7 @@
             <a:fld id="{B61BEF0D-F0BB-DE4B-95CE-6DB70DBA9567}" type="datetimeFigureOut">
               <a:rPr lang="en-US" dirty="0"/>
               <a:pPr/>
-              <a:t>3/30/2024</a:t>
+              <a:t>5/10/2024</a:t>
             </a:fld>
             <a:endParaRPr lang="en-US" dirty="0"/>
           </a:p>
@@ -3440,7 +3440,7 @@
           <a:p>
             <a:fld id="{42A54C80-263E-416B-A8E0-580EDEADCBDC}" type="datetimeFigureOut">
               <a:rPr lang="en-US" dirty="0"/>
-              <a:t>3/30/2024</a:t>
+              <a:t>5/10/2024</a:t>
             </a:fld>
             <a:endParaRPr lang="en-US" dirty="0"/>
           </a:p>
@@ -3810,7 +3810,7 @@
             <a:fld id="{B61BEF0D-F0BB-DE4B-95CE-6DB70DBA9567}" type="datetimeFigureOut">
               <a:rPr lang="en-US" dirty="0"/>
               <a:pPr/>
-              <a:t>3/30/2024</a:t>
+              <a:t>5/10/2024</a:t>
             </a:fld>
             <a:endParaRPr lang="en-US" dirty="0"/>
           </a:p>
@@ -3930,7 +3930,7 @@
             <a:fld id="{B61BEF0D-F0BB-DE4B-95CE-6DB70DBA9567}" type="datetimeFigureOut">
               <a:rPr lang="en-US" dirty="0"/>
               <a:pPr/>
-              <a:t>3/30/2024</a:t>
+              <a:t>5/10/2024</a:t>
             </a:fld>
             <a:endParaRPr lang="en-US" dirty="0"/>
           </a:p>
@@ -4022,7 +4022,7 @@
             <a:fld id="{B61BEF0D-F0BB-DE4B-95CE-6DB70DBA9567}" type="datetimeFigureOut">
               <a:rPr lang="en-US" dirty="0"/>
               <a:pPr/>
-              <a:t>3/30/2024</a:t>
+              <a:t>5/10/2024</a:t>
             </a:fld>
             <a:endParaRPr lang="en-US" dirty="0"/>
           </a:p>
@@ -4273,7 +4273,7 @@
           <a:p>
             <a:fld id="{42A54C80-263E-416B-A8E0-580EDEADCBDC}" type="datetimeFigureOut">
               <a:rPr lang="en-US" dirty="0"/>
-              <a:t>3/30/2024</a:t>
+              <a:t>5/10/2024</a:t>
             </a:fld>
             <a:endParaRPr lang="en-US" dirty="0"/>
           </a:p>
@@ -4575,7 +4575,7 @@
             <a:fld id="{B61BEF0D-F0BB-DE4B-95CE-6DB70DBA9567}" type="datetimeFigureOut">
               <a:rPr lang="en-US" dirty="0"/>
               <a:pPr/>
-              <a:t>3/30/2024</a:t>
+              <a:t>5/10/2024</a:t>
             </a:fld>
             <a:endParaRPr lang="en-US" dirty="0"/>
           </a:p>
@@ -5273,7 +5273,7 @@
             <a:fld id="{B61BEF0D-F0BB-DE4B-95CE-6DB70DBA9567}" type="datetimeFigureOut">
               <a:rPr lang="en-US" dirty="0"/>
               <a:pPr/>
-              <a:t>3/30/2024</a:t>
+              <a:t>5/10/2024</a:t>
             </a:fld>
             <a:endParaRPr lang="en-US" dirty="0"/>
           </a:p>
@@ -5819,15 +5819,7 @@
                   <a:schemeClr val="tx1"/>
                 </a:solidFill>
               </a:rPr>
-              <a:t>PRIYADHARHSHINI </a:t>
-            </a:r>
-            <a:r>
-              <a:rPr lang="en-US" sz="3250" dirty="0" smtClean="0">
-                <a:solidFill>
-                  <a:schemeClr val="tx1"/>
-                </a:solidFill>
-              </a:rPr>
-              <a:t>Y</a:t>
+              <a:t>PRIYADHARHSHINI Y</a:t>
             </a:r>
             <a:br>
               <a:rPr lang="en-US" sz="3250" dirty="0" smtClean="0">
@@ -5842,15 +5834,7 @@
                   <a:schemeClr val="tx1"/>
                 </a:solidFill>
               </a:rPr>
-              <a:t>au</a:t>
-            </a:r>
-            <a:r>
-              <a:rPr lang="en-US" sz="2400" dirty="0" smtClean="0">
-                <a:solidFill>
-                  <a:schemeClr val="tx1"/>
-                </a:solidFill>
-              </a:rPr>
-              <a:t>211521104119</a:t>
+              <a:t>au211521104119</a:t>
             </a:r>
             <a:endParaRPr lang="en-IN" sz="2400" dirty="0">
               <a:solidFill>
@@ -6745,7 +6729,7 @@
         <p:spPr>
           <a:xfrm>
             <a:off x="966157" y="1794294"/>
-            <a:ext cx="8747186" cy="3693319"/>
+            <a:ext cx="8747186" cy="3416320"/>
           </a:xfrm>
           <a:prstGeom prst="rect">
             <a:avLst/>
@@ -6808,7 +6792,15 @@
           <a:p>
             <a:r>
               <a:rPr lang="en-US" dirty="0"/>
-              <a:t>Imagine the surprise and excitement when the user throws a punch (rock) expecting to win, but the AI cleverly throws paper, having correctly predicted the user's choice based on subtle cues in their hand gesture. This element of surprise and the constant need to outsmart the AI creates a truly "wow" experience that elevates the classic game.</a:t>
+              <a:t>Imagine the surprise and excitement when the user throws a punch (rock) expecting to win, but the AI cleverly throws paper, having correctly predicted the user's </a:t>
+            </a:r>
+            <a:r>
+              <a:rPr lang="en-US" dirty="0" smtClean="0"/>
+              <a:t>choice. </a:t>
+            </a:r>
+            <a:r>
+              <a:rPr lang="en-US" dirty="0"/>
+              <a:t>This element of surprise and the constant need to outsmart the AI creates a truly "wow" experience that elevates the classic game.</a:t>
             </a:r>
           </a:p>
           <a:p>
@@ -6855,7 +6847,7 @@
         <p:spPr>
           <a:xfrm>
             <a:off x="1224950" y="1397479"/>
-            <a:ext cx="7988061" cy="3139321"/>
+            <a:ext cx="7988061" cy="2862322"/>
           </a:xfrm>
           <a:prstGeom prst="rect">
             <a:avLst/>
@@ -6885,14 +6877,39 @@
           <a:p>
             <a:r>
               <a:rPr lang="en-US" dirty="0"/>
-              <a:t>Now that we've explored the "wow" factor of the AI opponent, let's delve deeper into the technical aspects. The next slide will explain how we built this intelligent opponent using Convolutional Neural Networks (CNNs) for image recognition.</a:t>
-            </a:r>
-          </a:p>
-          <a:p>
+              <a:t>Now that we've explored the "wow" factor of the AI opponent, let's delve deeper into the technical aspects</a:t>
+            </a:r>
+            <a:r>
+              <a:rPr lang="en-US" dirty="0" smtClean="0"/>
+              <a:t>. </a:t>
+            </a:r>
             <a:r>
               <a:rPr lang="en-US" dirty="0"/>
-              <a:t>This slide structure first highlights the innovative aspect of your solution – the strategic AI opponent – and then builds anticipation for the technical details by mentioning the "wow" moment. By piquing the audience's interest, you can effectively transition into explaining the modeling approach using CNNs in the next slide.</a:t>
-            </a:r>
+              <a:t>H</a:t>
+            </a:r>
+            <a:r>
+              <a:rPr lang="en-US" dirty="0" smtClean="0"/>
+              <a:t>ow </a:t>
+            </a:r>
+            <a:r>
+              <a:rPr lang="en-US" dirty="0"/>
+              <a:t>we built this intelligent opponent using Convolutional Neural Networks (CNNs) for image recognition.</a:t>
+            </a:r>
+          </a:p>
+          <a:p>
+            <a:r>
+              <a:rPr lang="en-US" dirty="0"/>
+              <a:t>This slide structure first highlights the innovative aspect of your solution – the strategic AI opponent – and then builds anticipation for the technical details by mentioning the "wow" moment. By piquing the audience's interest, you can effectively transition into explaining the modeling approach using CNNs in </a:t>
+            </a:r>
+            <a:r>
+              <a:rPr lang="en-US"/>
+              <a:t>the </a:t>
+            </a:r>
+            <a:r>
+              <a:rPr lang="en-US" smtClean="0"/>
+              <a:t>next.</a:t>
+            </a:r>
+            <a:endParaRPr lang="en-US" dirty="0"/>
           </a:p>
           <a:p>
             <a:endParaRPr lang="en-IN" dirty="0"/>
@@ -6961,7 +6978,12 @@
             <p:ph type="title"/>
           </p:nvPr>
         </p:nvSpPr>
-        <p:spPr/>
+        <p:spPr>
+          <a:xfrm>
+            <a:off x="612333" y="212785"/>
+            <a:ext cx="8596668" cy="1320800"/>
+          </a:xfrm>
+        </p:spPr>
         <p:txBody>
           <a:bodyPr/>
           <a:lstStyle/>
@@ -6982,35 +7004,414 @@
           </a:p>
         </p:txBody>
       </p:sp>
-      <p:pic>
-        <p:nvPicPr>
-          <p:cNvPr id="4" name="Content Placeholder 3"/>
-          <p:cNvPicPr>
-            <a:picLocks noGrp="1" noChangeAspect="1"/>
-          </p:cNvPicPr>
-          <p:nvPr>
-            <p:ph idx="1"/>
-          </p:nvPr>
-        </p:nvPicPr>
-        <p:blipFill>
-          <a:blip r:embed="rId2">
-            <a:extLst>
-              <a:ext uri="{28A0092B-C50C-407E-A947-70E740481C1C}">
-                <a14:useLocalDpi xmlns:a14="http://schemas.microsoft.com/office/drawing/2010/main" val="0"/>
-              </a:ext>
-            </a:extLst>
-          </a:blip>
-          <a:stretch>
-            <a:fillRect/>
-          </a:stretch>
-        </p:blipFill>
+      <p:sp>
+        <p:nvSpPr>
+          <p:cNvPr id="5" name="Rectangle 4"/>
+          <p:cNvSpPr/>
+          <p:nvPr/>
+        </p:nvSpPr>
         <p:spPr>
           <a:xfrm>
-            <a:off x="1414733" y="1864198"/>
-            <a:ext cx="7412756" cy="3093988"/>
+            <a:off x="1229360" y="883929"/>
+            <a:ext cx="9296400" cy="5974071"/>
           </a:xfrm>
+          <a:prstGeom prst="rect">
+            <a:avLst/>
+          </a:prstGeom>
         </p:spPr>
-      </p:pic>
+        <p:txBody>
+          <a:bodyPr wrap="square">
+            <a:spAutoFit/>
+          </a:bodyPr>
+          <a:lstStyle/>
+          <a:p>
+            <a:pPr>
+              <a:lnSpc>
+                <a:spcPct val="107000"/>
+              </a:lnSpc>
+              <a:spcAft>
+                <a:spcPts val="800"/>
+              </a:spcAft>
+            </a:pPr>
+            <a:r>
+              <a:rPr lang="en-IN" kern="100" dirty="0">
+                <a:latin typeface="Calibri" panose="020F0502020204030204" pitchFamily="34" charset="0"/>
+                <a:ea typeface="Calibri" panose="020F0502020204030204" pitchFamily="34" charset="0"/>
+                <a:cs typeface="Times New Roman" panose="02020603050405020304" pitchFamily="18" charset="0"/>
+              </a:rPr>
+              <a:t>Enter path to your image (rock, paper, or scissors): /</a:t>
+            </a:r>
+            <a:r>
+              <a:rPr lang="en-IN" kern="100" dirty="0" smtClean="0">
+                <a:latin typeface="Calibri" panose="020F0502020204030204" pitchFamily="34" charset="0"/>
+                <a:ea typeface="Calibri" panose="020F0502020204030204" pitchFamily="34" charset="0"/>
+                <a:cs typeface="Times New Roman" panose="02020603050405020304" pitchFamily="18" charset="0"/>
+              </a:rPr>
+              <a:t>content/rock.png</a:t>
+            </a:r>
+            <a:endParaRPr lang="en-IN" kern="100" dirty="0">
+              <a:latin typeface="Calibri" panose="020F0502020204030204" pitchFamily="34" charset="0"/>
+              <a:ea typeface="Calibri" panose="020F0502020204030204" pitchFamily="34" charset="0"/>
+              <a:cs typeface="Times New Roman" panose="02020603050405020304" pitchFamily="18" charset="0"/>
+            </a:endParaRPr>
+          </a:p>
+          <a:p>
+            <a:pPr>
+              <a:lnSpc>
+                <a:spcPct val="107000"/>
+              </a:lnSpc>
+              <a:spcAft>
+                <a:spcPts val="800"/>
+              </a:spcAft>
+            </a:pPr>
+            <a:r>
+              <a:rPr lang="en-IN" kern="100" dirty="0">
+                <a:latin typeface="Calibri" panose="020F0502020204030204" pitchFamily="34" charset="0"/>
+                <a:ea typeface="Calibri" panose="020F0502020204030204" pitchFamily="34" charset="0"/>
+                <a:cs typeface="Times New Roman" panose="02020603050405020304" pitchFamily="18" charset="0"/>
+              </a:rPr>
+              <a:t>1/1 [==============================] - 0s 269ms/step</a:t>
+            </a:r>
+          </a:p>
+          <a:p>
+            <a:pPr>
+              <a:lnSpc>
+                <a:spcPct val="107000"/>
+              </a:lnSpc>
+              <a:spcAft>
+                <a:spcPts val="800"/>
+              </a:spcAft>
+            </a:pPr>
+            <a:r>
+              <a:rPr lang="en-IN" kern="100" dirty="0">
+                <a:latin typeface="Calibri" panose="020F0502020204030204" pitchFamily="34" charset="0"/>
+                <a:ea typeface="Calibri" panose="020F0502020204030204" pitchFamily="34" charset="0"/>
+                <a:cs typeface="Times New Roman" panose="02020603050405020304" pitchFamily="18" charset="0"/>
+              </a:rPr>
+              <a:t>Your choice: rock</a:t>
+            </a:r>
+          </a:p>
+          <a:p>
+            <a:pPr>
+              <a:lnSpc>
+                <a:spcPct val="107000"/>
+              </a:lnSpc>
+              <a:spcAft>
+                <a:spcPts val="800"/>
+              </a:spcAft>
+            </a:pPr>
+            <a:r>
+              <a:rPr lang="en-IN" kern="100" dirty="0">
+                <a:latin typeface="Calibri" panose="020F0502020204030204" pitchFamily="34" charset="0"/>
+                <a:ea typeface="Calibri" panose="020F0502020204030204" pitchFamily="34" charset="0"/>
+                <a:cs typeface="Times New Roman" panose="02020603050405020304" pitchFamily="18" charset="0"/>
+              </a:rPr>
+              <a:t>Computer's choice: rock</a:t>
+            </a:r>
+          </a:p>
+          <a:p>
+            <a:pPr>
+              <a:lnSpc>
+                <a:spcPct val="107000"/>
+              </a:lnSpc>
+              <a:spcAft>
+                <a:spcPts val="800"/>
+              </a:spcAft>
+            </a:pPr>
+            <a:r>
+              <a:rPr lang="en-IN" kern="100" dirty="0">
+                <a:latin typeface="Calibri" panose="020F0502020204030204" pitchFamily="34" charset="0"/>
+                <a:ea typeface="Calibri" panose="020F0502020204030204" pitchFamily="34" charset="0"/>
+                <a:cs typeface="Times New Roman" panose="02020603050405020304" pitchFamily="18" charset="0"/>
+              </a:rPr>
+              <a:t>It's a tie</a:t>
+            </a:r>
+            <a:r>
+              <a:rPr lang="en-IN" kern="100" dirty="0" smtClean="0">
+                <a:latin typeface="Calibri" panose="020F0502020204030204" pitchFamily="34" charset="0"/>
+                <a:ea typeface="Calibri" panose="020F0502020204030204" pitchFamily="34" charset="0"/>
+                <a:cs typeface="Times New Roman" panose="02020603050405020304" pitchFamily="18" charset="0"/>
+              </a:rPr>
+              <a:t>!</a:t>
+            </a:r>
+          </a:p>
+          <a:p>
+            <a:pPr>
+              <a:lnSpc>
+                <a:spcPct val="107000"/>
+              </a:lnSpc>
+              <a:spcAft>
+                <a:spcPts val="800"/>
+              </a:spcAft>
+            </a:pPr>
+            <a:r>
+              <a:rPr lang="en-IN" kern="100" dirty="0">
+                <a:latin typeface="Calibri" panose="020F0502020204030204" pitchFamily="34" charset="0"/>
+                <a:ea typeface="Calibri" panose="020F0502020204030204" pitchFamily="34" charset="0"/>
+                <a:cs typeface="Times New Roman" panose="02020603050405020304" pitchFamily="18" charset="0"/>
+              </a:rPr>
+              <a:t>Enter path to your image (rock, paper, or scissors): /</a:t>
+            </a:r>
+            <a:r>
+              <a:rPr lang="en-IN" kern="100" dirty="0" smtClean="0">
+                <a:latin typeface="Calibri" panose="020F0502020204030204" pitchFamily="34" charset="0"/>
+                <a:ea typeface="Calibri" panose="020F0502020204030204" pitchFamily="34" charset="0"/>
+                <a:cs typeface="Times New Roman" panose="02020603050405020304" pitchFamily="18" charset="0"/>
+              </a:rPr>
+              <a:t>content/scissors.png</a:t>
+            </a:r>
+            <a:endParaRPr lang="en-IN" kern="100" dirty="0">
+              <a:latin typeface="Calibri" panose="020F0502020204030204" pitchFamily="34" charset="0"/>
+              <a:ea typeface="Calibri" panose="020F0502020204030204" pitchFamily="34" charset="0"/>
+              <a:cs typeface="Times New Roman" panose="02020603050405020304" pitchFamily="18" charset="0"/>
+            </a:endParaRPr>
+          </a:p>
+          <a:p>
+            <a:pPr>
+              <a:lnSpc>
+                <a:spcPct val="107000"/>
+              </a:lnSpc>
+              <a:spcAft>
+                <a:spcPts val="800"/>
+              </a:spcAft>
+            </a:pPr>
+            <a:r>
+              <a:rPr lang="en-IN" kern="100" dirty="0" smtClean="0">
+                <a:latin typeface="Calibri" panose="020F0502020204030204" pitchFamily="34" charset="0"/>
+                <a:ea typeface="Calibri" panose="020F0502020204030204" pitchFamily="34" charset="0"/>
+                <a:cs typeface="Times New Roman" panose="02020603050405020304" pitchFamily="18" charset="0"/>
+              </a:rPr>
+              <a:t>1/1 </a:t>
+            </a:r>
+            <a:r>
+              <a:rPr lang="en-IN" kern="100" dirty="0">
+                <a:latin typeface="Calibri" panose="020F0502020204030204" pitchFamily="34" charset="0"/>
+                <a:ea typeface="Calibri" panose="020F0502020204030204" pitchFamily="34" charset="0"/>
+                <a:cs typeface="Times New Roman" panose="02020603050405020304" pitchFamily="18" charset="0"/>
+              </a:rPr>
+              <a:t>[==============================] - 0s 247ms/step</a:t>
+            </a:r>
+          </a:p>
+          <a:p>
+            <a:pPr>
+              <a:lnSpc>
+                <a:spcPct val="107000"/>
+              </a:lnSpc>
+              <a:spcAft>
+                <a:spcPts val="800"/>
+              </a:spcAft>
+            </a:pPr>
+            <a:r>
+              <a:rPr lang="en-IN" kern="100" dirty="0">
+                <a:latin typeface="Calibri" panose="020F0502020204030204" pitchFamily="34" charset="0"/>
+                <a:ea typeface="Calibri" panose="020F0502020204030204" pitchFamily="34" charset="0"/>
+                <a:cs typeface="Times New Roman" panose="02020603050405020304" pitchFamily="18" charset="0"/>
+              </a:rPr>
+              <a:t>Your choice: scissors</a:t>
+            </a:r>
+          </a:p>
+          <a:p>
+            <a:pPr>
+              <a:lnSpc>
+                <a:spcPct val="107000"/>
+              </a:lnSpc>
+              <a:spcAft>
+                <a:spcPts val="800"/>
+              </a:spcAft>
+            </a:pPr>
+            <a:r>
+              <a:rPr lang="en-IN" kern="100" dirty="0">
+                <a:latin typeface="Calibri" panose="020F0502020204030204" pitchFamily="34" charset="0"/>
+                <a:ea typeface="Calibri" panose="020F0502020204030204" pitchFamily="34" charset="0"/>
+                <a:cs typeface="Times New Roman" panose="02020603050405020304" pitchFamily="18" charset="0"/>
+              </a:rPr>
+              <a:t>Computer's choice: </a:t>
+            </a:r>
+            <a:r>
+              <a:rPr lang="en-IN" kern="100" dirty="0" smtClean="0">
+                <a:latin typeface="Calibri" panose="020F0502020204030204" pitchFamily="34" charset="0"/>
+                <a:ea typeface="Calibri" panose="020F0502020204030204" pitchFamily="34" charset="0"/>
+                <a:cs typeface="Times New Roman" panose="02020603050405020304" pitchFamily="18" charset="0"/>
+              </a:rPr>
+              <a:t>rock</a:t>
+            </a:r>
+            <a:endParaRPr lang="en-IN" kern="100" dirty="0">
+              <a:latin typeface="Calibri" panose="020F0502020204030204" pitchFamily="34" charset="0"/>
+              <a:ea typeface="Calibri" panose="020F0502020204030204" pitchFamily="34" charset="0"/>
+              <a:cs typeface="Times New Roman" panose="02020603050405020304" pitchFamily="18" charset="0"/>
+            </a:endParaRPr>
+          </a:p>
+          <a:p>
+            <a:pPr>
+              <a:lnSpc>
+                <a:spcPct val="107000"/>
+              </a:lnSpc>
+              <a:spcAft>
+                <a:spcPts val="800"/>
+              </a:spcAft>
+            </a:pPr>
+            <a:r>
+              <a:rPr lang="en-IN" kern="100" dirty="0">
+                <a:latin typeface="Calibri" panose="020F0502020204030204" pitchFamily="34" charset="0"/>
+                <a:ea typeface="Calibri" panose="020F0502020204030204" pitchFamily="34" charset="0"/>
+                <a:cs typeface="Times New Roman" panose="02020603050405020304" pitchFamily="18" charset="0"/>
+              </a:rPr>
+              <a:t>It's a </a:t>
+            </a:r>
+            <a:r>
+              <a:rPr lang="en-IN" kern="100" dirty="0" smtClean="0">
+                <a:latin typeface="Calibri" panose="020F0502020204030204" pitchFamily="34" charset="0"/>
+                <a:ea typeface="Calibri" panose="020F0502020204030204" pitchFamily="34" charset="0"/>
+                <a:cs typeface="Times New Roman" panose="02020603050405020304" pitchFamily="18" charset="0"/>
+              </a:rPr>
+              <a:t>loss!</a:t>
+            </a:r>
+          </a:p>
+          <a:p>
+            <a:pPr>
+              <a:lnSpc>
+                <a:spcPct val="107000"/>
+              </a:lnSpc>
+              <a:spcAft>
+                <a:spcPts val="800"/>
+              </a:spcAft>
+            </a:pPr>
+            <a:r>
+              <a:rPr lang="en-IN" kern="100" dirty="0">
+                <a:latin typeface="Calibri" panose="020F0502020204030204" pitchFamily="34" charset="0"/>
+                <a:ea typeface="Calibri" panose="020F0502020204030204" pitchFamily="34" charset="0"/>
+                <a:cs typeface="Times New Roman" panose="02020603050405020304" pitchFamily="18" charset="0"/>
+              </a:rPr>
+              <a:t>Enter path to your image (rock, paper, or scissors): /</a:t>
+            </a:r>
+            <a:r>
+              <a:rPr lang="en-IN" kern="100" dirty="0" smtClean="0">
+                <a:latin typeface="Calibri" panose="020F0502020204030204" pitchFamily="34" charset="0"/>
+                <a:ea typeface="Calibri" panose="020F0502020204030204" pitchFamily="34" charset="0"/>
+                <a:cs typeface="Times New Roman" panose="02020603050405020304" pitchFamily="18" charset="0"/>
+              </a:rPr>
+              <a:t>content/paper.png</a:t>
+            </a:r>
+            <a:endParaRPr lang="en-IN" kern="100" dirty="0">
+              <a:latin typeface="Calibri" panose="020F0502020204030204" pitchFamily="34" charset="0"/>
+              <a:ea typeface="Calibri" panose="020F0502020204030204" pitchFamily="34" charset="0"/>
+              <a:cs typeface="Times New Roman" panose="02020603050405020304" pitchFamily="18" charset="0"/>
+            </a:endParaRPr>
+          </a:p>
+          <a:p>
+            <a:pPr>
+              <a:lnSpc>
+                <a:spcPct val="107000"/>
+              </a:lnSpc>
+              <a:spcAft>
+                <a:spcPts val="800"/>
+              </a:spcAft>
+            </a:pPr>
+            <a:r>
+              <a:rPr lang="en-IN" kern="100" dirty="0" smtClean="0">
+                <a:latin typeface="Calibri" panose="020F0502020204030204" pitchFamily="34" charset="0"/>
+                <a:ea typeface="Calibri" panose="020F0502020204030204" pitchFamily="34" charset="0"/>
+                <a:cs typeface="Times New Roman" panose="02020603050405020304" pitchFamily="18" charset="0"/>
+              </a:rPr>
+              <a:t>1/1 </a:t>
+            </a:r>
+            <a:r>
+              <a:rPr lang="en-IN" kern="100" dirty="0">
+                <a:latin typeface="Calibri" panose="020F0502020204030204" pitchFamily="34" charset="0"/>
+                <a:ea typeface="Calibri" panose="020F0502020204030204" pitchFamily="34" charset="0"/>
+                <a:cs typeface="Times New Roman" panose="02020603050405020304" pitchFamily="18" charset="0"/>
+              </a:rPr>
+              <a:t>[==============================] - 0s 35ms/step</a:t>
+            </a:r>
+          </a:p>
+          <a:p>
+            <a:pPr>
+              <a:lnSpc>
+                <a:spcPct val="107000"/>
+              </a:lnSpc>
+              <a:spcAft>
+                <a:spcPts val="800"/>
+              </a:spcAft>
+            </a:pPr>
+            <a:r>
+              <a:rPr lang="en-IN" kern="100" dirty="0">
+                <a:latin typeface="Calibri" panose="020F0502020204030204" pitchFamily="34" charset="0"/>
+                <a:ea typeface="Calibri" panose="020F0502020204030204" pitchFamily="34" charset="0"/>
+                <a:cs typeface="Times New Roman" panose="02020603050405020304" pitchFamily="18" charset="0"/>
+              </a:rPr>
+              <a:t>Your choice: </a:t>
+            </a:r>
+            <a:r>
+              <a:rPr lang="en-IN" kern="100" dirty="0" smtClean="0">
+                <a:latin typeface="Calibri" panose="020F0502020204030204" pitchFamily="34" charset="0"/>
+                <a:ea typeface="Calibri" panose="020F0502020204030204" pitchFamily="34" charset="0"/>
+                <a:cs typeface="Times New Roman" panose="02020603050405020304" pitchFamily="18" charset="0"/>
+              </a:rPr>
+              <a:t>paper</a:t>
+            </a:r>
+            <a:endParaRPr lang="en-IN" kern="100" dirty="0">
+              <a:latin typeface="Calibri" panose="020F0502020204030204" pitchFamily="34" charset="0"/>
+              <a:ea typeface="Calibri" panose="020F0502020204030204" pitchFamily="34" charset="0"/>
+              <a:cs typeface="Times New Roman" panose="02020603050405020304" pitchFamily="18" charset="0"/>
+            </a:endParaRPr>
+          </a:p>
+          <a:p>
+            <a:pPr>
+              <a:lnSpc>
+                <a:spcPct val="107000"/>
+              </a:lnSpc>
+              <a:spcAft>
+                <a:spcPts val="800"/>
+              </a:spcAft>
+            </a:pPr>
+            <a:r>
+              <a:rPr lang="en-IN" kern="100" dirty="0">
+                <a:latin typeface="Calibri" panose="020F0502020204030204" pitchFamily="34" charset="0"/>
+                <a:ea typeface="Calibri" panose="020F0502020204030204" pitchFamily="34" charset="0"/>
+                <a:cs typeface="Times New Roman" panose="02020603050405020304" pitchFamily="18" charset="0"/>
+              </a:rPr>
+              <a:t>Computer's choice: </a:t>
+            </a:r>
+            <a:r>
+              <a:rPr lang="en-IN" kern="100" dirty="0" smtClean="0">
+                <a:latin typeface="Calibri" panose="020F0502020204030204" pitchFamily="34" charset="0"/>
+                <a:ea typeface="Calibri" panose="020F0502020204030204" pitchFamily="34" charset="0"/>
+                <a:cs typeface="Times New Roman" panose="02020603050405020304" pitchFamily="18" charset="0"/>
+              </a:rPr>
+              <a:t>rock</a:t>
+            </a:r>
+            <a:endParaRPr lang="en-IN" kern="100" dirty="0">
+              <a:latin typeface="Calibri" panose="020F0502020204030204" pitchFamily="34" charset="0"/>
+              <a:ea typeface="Calibri" panose="020F0502020204030204" pitchFamily="34" charset="0"/>
+              <a:cs typeface="Times New Roman" panose="02020603050405020304" pitchFamily="18" charset="0"/>
+            </a:endParaRPr>
+          </a:p>
+          <a:p>
+            <a:pPr>
+              <a:lnSpc>
+                <a:spcPct val="107000"/>
+              </a:lnSpc>
+              <a:spcAft>
+                <a:spcPts val="800"/>
+              </a:spcAft>
+            </a:pPr>
+            <a:r>
+              <a:rPr lang="en-IN" kern="100" dirty="0">
+                <a:latin typeface="Calibri" panose="020F0502020204030204" pitchFamily="34" charset="0"/>
+                <a:ea typeface="Calibri" panose="020F0502020204030204" pitchFamily="34" charset="0"/>
+                <a:cs typeface="Times New Roman" panose="02020603050405020304" pitchFamily="18" charset="0"/>
+              </a:rPr>
+              <a:t>You win!</a:t>
+            </a:r>
+            <a:endParaRPr lang="en-IN" kern="100" dirty="0">
+              <a:effectLst/>
+              <a:latin typeface="Calibri" panose="020F0502020204030204" pitchFamily="34" charset="0"/>
+              <a:ea typeface="Calibri" panose="020F0502020204030204" pitchFamily="34" charset="0"/>
+              <a:cs typeface="Times New Roman" panose="02020603050405020304" pitchFamily="18" charset="0"/>
+            </a:endParaRPr>
+          </a:p>
+        </p:txBody>
+      </p:sp>
     </p:spTree>
     <p:extLst>
       <p:ext uri="{BB962C8B-B14F-4D97-AF65-F5344CB8AC3E}">
@@ -7125,7 +7526,19 @@
             </a:pPr>
             <a:r>
               <a:rPr lang="en-US" dirty="0"/>
-              <a:t>Successfully trained the model to predict user's choices from hand gesture images</a:t>
+              <a:t>Successfully trained the model to predict user's choices </a:t>
+            </a:r>
+            <a:r>
+              <a:rPr lang="en-US"/>
+              <a:t>from </a:t>
+            </a:r>
+            <a:r>
+              <a:rPr lang="en-US" smtClean="0"/>
+              <a:t>hand gesture </a:t>
+            </a:r>
+            <a:r>
+              <a:rPr lang="en-US" dirty="0"/>
+              <a:t>images</a:t>
             </a:r>
             <a:r>
               <a:rPr lang="en-US" dirty="0" smtClean="0"/>
@@ -8304,15 +8717,7 @@
                   <a:schemeClr val="tx1"/>
                 </a:solidFill>
               </a:rPr>
-              <a:t>PROBLEM </a:t>
-            </a:r>
-            <a:r>
-              <a:rPr lang="en-US" dirty="0" smtClean="0">
-                <a:solidFill>
-                  <a:schemeClr val="tx1"/>
-                </a:solidFill>
-              </a:rPr>
-              <a:t>STATEMENT</a:t>
+              <a:t>PROBLEM STATEMENT</a:t>
             </a:r>
             <a:endParaRPr lang="en-IN" dirty="0">
               <a:solidFill>
@@ -8920,7 +9325,7 @@
         <p:spPr>
           <a:xfrm>
             <a:off x="994577" y="1414732"/>
-            <a:ext cx="7962181" cy="5632311"/>
+            <a:ext cx="7962181" cy="5355312"/>
           </a:xfrm>
           <a:prstGeom prst="rect">
             <a:avLst/>
@@ -8964,7 +9369,15 @@
             </a:pPr>
             <a:r>
               <a:rPr lang="en-US" dirty="0"/>
-              <a:t>The AI analyzes user's hand gestures captured as images to predict their choice (rock, paper, scissors).</a:t>
+              <a:t>The AI analyzes </a:t>
+            </a:r>
+            <a:r>
+              <a:rPr lang="en-US" dirty="0" smtClean="0"/>
+              <a:t>user's </a:t>
+            </a:r>
+            <a:r>
+              <a:rPr lang="en-US" dirty="0"/>
+              <a:t>images to predict their choice (rock, paper, scissors).</a:t>
             </a:r>
           </a:p>
           <a:p>
@@ -8996,7 +9409,19 @@
             </a:r>
             <a:r>
               <a:rPr lang="en-US" dirty="0"/>
-              <a:t> The user displays a hand gesture representing their choice (rock, paper, or scissors).</a:t>
+              <a:t> The user </a:t>
+            </a:r>
+            <a:r>
+              <a:rPr lang="en-US" dirty="0" smtClean="0"/>
+              <a:t>give image as input</a:t>
+            </a:r>
+            <a:r>
+              <a:rPr lang="en-US" dirty="0" smtClean="0"/>
+              <a:t> </a:t>
+            </a:r>
+            <a:r>
+              <a:rPr lang="en-US" dirty="0"/>
+              <a:t>representing their choice (rock, paper, or scissors).</a:t>
             </a:r>
           </a:p>
           <a:p>
@@ -9018,7 +9443,19 @@
             </a:r>
             <a:r>
               <a:rPr lang="en-US" dirty="0"/>
-              <a:t> The user's hand gesture is captured as a digital image.</a:t>
+              <a:t> The user's </a:t>
+            </a:r>
+            <a:r>
+              <a:rPr lang="en-US" dirty="0" smtClean="0"/>
+              <a:t>image</a:t>
+            </a:r>
+            <a:r>
+              <a:rPr lang="en-US" dirty="0" smtClean="0"/>
+              <a:t> </a:t>
+            </a:r>
+            <a:r>
+              <a:rPr lang="en-US" dirty="0"/>
+              <a:t>is captured as a digital image.</a:t>
             </a:r>
           </a:p>
           <a:p>
@@ -9707,8 +10144,13 @@
             </a:pPr>
             <a:r>
               <a:rPr lang="en-US" dirty="0"/>
-              <a:t>This AI-powered RPS offers a significant value proposition compared to the traditional game:</a:t>
-            </a:r>
+              <a:t>This AI-powered RPS offers a significant value proposition compared to the traditional </a:t>
+            </a:r>
+            <a:r>
+              <a:rPr lang="en-US" dirty="0" smtClean="0"/>
+              <a:t>game</a:t>
+            </a:r>
+            <a:endParaRPr lang="en-US" dirty="0"/>
           </a:p>
           <a:p>
             <a:pPr marL="285750" indent="-285750">
